--- a/Certification_Python_freeCodeCamp/Scientific_Computing_with_Python_Certification/Chapter12/Pythonlearn-12-HTTP.pptx
+++ b/Certification_Python_freeCodeCamp/Scientific_Computing_with_Python_Certification/Chapter12/Pythonlearn-12-HTTP.pptx
@@ -31602,7 +31602,7 @@
                 <a:cs typeface="Arial" charset="0"/>
                 <a:sym typeface="Cabin"/>
               </a:rPr>
-              <a:t>Facil</a:t>
+              <a:t>Fácil</a:t>
             </a:r>
             <a:r>
               <a:rPr lang="en-US" sz="7600" u="none" strike="noStrike" cap="none" dirty="0">
